--- a/slides/NETStandard.pptx
+++ b/slides/NETStandard.pptx
@@ -36,49 +36,49 @@
   <p:notesSz cx="6858000" cy="9144000"/>
   <p:embeddedFontLst>
     <p:embeddedFont>
-      <p:font typeface="Segoe UI" panose="020B0502040204020203" pitchFamily="34" charset="0"/>
+      <p:font typeface="Calibri" panose="020F0502020204030204" pitchFamily="34" charset="0"/>
       <p:regular r:id="rId26"/>
       <p:bold r:id="rId27"/>
       <p:italic r:id="rId28"/>
       <p:boldItalic r:id="rId29"/>
     </p:embeddedFont>
     <p:embeddedFont>
-      <p:font typeface="Segoe UI Semilight" panose="020B0402040204020203" pitchFamily="34" charset="0"/>
+      <p:font typeface="Calibri Light" panose="020F0302020204030204" pitchFamily="34" charset="0"/>
       <p:regular r:id="rId30"/>
       <p:italic r:id="rId31"/>
     </p:embeddedFont>
     <p:embeddedFont>
-      <p:font typeface="Segoe UI Semibold" panose="020B0702040204020203" pitchFamily="34" charset="0"/>
-      <p:bold r:id="rId32"/>
-      <p:boldItalic r:id="rId33"/>
+      <p:font typeface="Consolas" panose="020B0609020204030204" pitchFamily="49" charset="0"/>
+      <p:regular r:id="rId32"/>
+      <p:bold r:id="rId33"/>
+      <p:italic r:id="rId34"/>
+      <p:boldItalic r:id="rId35"/>
     </p:embeddedFont>
     <p:embeddedFont>
-      <p:font typeface="Righteous" panose="020B0604020202020204" charset="0"/>
-      <p:regular r:id="rId34"/>
+      <p:font typeface="Righteous" panose="02010506000000020000" pitchFamily="2" charset="0"/>
+      <p:regular r:id="rId36"/>
     </p:embeddedFont>
     <p:embeddedFont>
-      <p:font typeface="Segoe UI Light" panose="020B0502040204020203" pitchFamily="34" charset="0"/>
-      <p:regular r:id="rId35"/>
-      <p:italic r:id="rId36"/>
-    </p:embeddedFont>
-    <p:embeddedFont>
-      <p:font typeface="Consolas" panose="020B0609020204030204" pitchFamily="49" charset="0"/>
+      <p:font typeface="Segoe UI" panose="020B0502040204020203" pitchFamily="34" charset="0"/>
       <p:regular r:id="rId37"/>
       <p:bold r:id="rId38"/>
       <p:italic r:id="rId39"/>
       <p:boldItalic r:id="rId40"/>
     </p:embeddedFont>
     <p:embeddedFont>
-      <p:font typeface="Calibri Light" panose="020F0302020204030204" pitchFamily="34" charset="0"/>
+      <p:font typeface="Segoe UI Light" panose="020B0502040204020203" pitchFamily="34" charset="0"/>
       <p:regular r:id="rId41"/>
       <p:italic r:id="rId42"/>
     </p:embeddedFont>
     <p:embeddedFont>
-      <p:font typeface="Calibri" panose="020F0502020204030204" pitchFamily="34" charset="0"/>
-      <p:regular r:id="rId43"/>
-      <p:bold r:id="rId44"/>
-      <p:italic r:id="rId45"/>
-      <p:boldItalic r:id="rId46"/>
+      <p:font typeface="Segoe UI Semibold" panose="020B0702040204020203" pitchFamily="34" charset="0"/>
+      <p:bold r:id="rId43"/>
+      <p:boldItalic r:id="rId44"/>
+    </p:embeddedFont>
+    <p:embeddedFont>
+      <p:font typeface="Segoe UI Semilight" panose="020B0402040204020203" pitchFamily="34" charset="0"/>
+      <p:regular r:id="rId45"/>
+      <p:italic r:id="rId46"/>
     </p:embeddedFont>
   </p:embeddedFontLst>
   <p:defaultTextStyle>
@@ -194,11 +194,11 @@
             <p14:sldId id="314"/>
             <p14:sldId id="315"/>
             <p14:sldId id="316"/>
-            <p14:sldId id="317"/>
           </p14:sldIdLst>
         </p14:section>
         <p14:section name="Cut" id="{47372832-95A3-4BE2-ACF8-B3B7CDA33484}">
           <p14:sldIdLst>
+            <p14:sldId id="317"/>
             <p14:sldId id="304"/>
             <p14:sldId id="305"/>
             <p14:sldId id="306"/>
@@ -219,10 +219,6 @@
     </p:ext>
   </p:extLst>
 </p:presentation>
-</file>
-
-<file path=ppt/revisionInfo.xml><?xml version="1.0" encoding="utf-8"?>
-<p1510:revInfo xmlns:a="http://schemas.openxmlformats.org/drawingml/2006/main" xmlns:r="http://schemas.openxmlformats.org/officeDocument/2006/relationships" xmlns:p1510="http://schemas.microsoft.com/office/powerpoint/2015/10/main"/>
 </file>
 
 <file path=ppt/notesMasters/notesMaster1.xml><?xml version="1.0" encoding="utf-8"?>
@@ -307,7 +303,7 @@
           <a:p>
             <a:fld id="{148BFE7F-F400-4DD9-B236-B1C0D7AE84D3}" type="datetimeFigureOut">
               <a:rPr lang="en-US" smtClean="0"/>
-              <a:t>10/4/2017</a:t>
+              <a:t>7/10/18</a:t>
             </a:fld>
             <a:endParaRPr lang="en-US"/>
           </a:p>
@@ -834,7 +830,7 @@
                 <a:tabLst/>
                 <a:defRPr/>
               </a:pPr>
-              <a:t>10/4/2017 8:50 PM</a:t>
+              <a:t>7/10/18 8:45 AM</a:t>
             </a:fld>
             <a:endParaRPr kumimoji="0" lang="en-US" sz="1200" b="0" i="0" u="none" strike="noStrike" kern="1200" cap="none" spc="0" normalizeH="0" baseline="0" noProof="0" dirty="0">
               <a:ln>
@@ -1087,7 +1083,7 @@
           <a:p>
             <a:fld id="{38EEC551-8CDA-4EB6-89BB-2A86C9F091C8}" type="datetime8">
               <a:rPr lang="en-US" smtClean="0"/>
-              <a:t>10/4/2017 8:54 PM</a:t>
+              <a:t>7/10/18 8:45 AM</a:t>
             </a:fld>
             <a:endParaRPr lang="en-US" dirty="0"/>
           </a:p>
@@ -1268,7 +1264,7 @@
           <a:p>
             <a:fld id="{38EEC551-8CDA-4EB6-89BB-2A86C9F091C8}" type="datetime8">
               <a:rPr lang="en-US" smtClean="0"/>
-              <a:t>10/4/2017 8:54 PM</a:t>
+              <a:t>7/10/18 8:45 AM</a:t>
             </a:fld>
             <a:endParaRPr lang="en-US" dirty="0"/>
           </a:p>
@@ -1449,7 +1445,7 @@
           <a:p>
             <a:fld id="{38EEC551-8CDA-4EB6-89BB-2A86C9F091C8}" type="datetime8">
               <a:rPr lang="en-US" smtClean="0"/>
-              <a:t>10/4/2017 8:54 PM</a:t>
+              <a:t>7/10/18 8:45 AM</a:t>
             </a:fld>
             <a:endParaRPr lang="en-US" dirty="0"/>
           </a:p>
@@ -1630,7 +1626,7 @@
           <a:p>
             <a:fld id="{38EEC551-8CDA-4EB6-89BB-2A86C9F091C8}" type="datetime8">
               <a:rPr lang="en-US" smtClean="0"/>
-              <a:t>10/4/2017 8:54 PM</a:t>
+              <a:t>7/10/18 8:45 AM</a:t>
             </a:fld>
             <a:endParaRPr lang="en-US" dirty="0"/>
           </a:p>
@@ -2017,7 +2013,7 @@
                 <a:tabLst/>
                 <a:defRPr/>
               </a:pPr>
-              <a:t>10/4/2017 8:51 PM</a:t>
+              <a:t>7/10/18 8:45 AM</a:t>
             </a:fld>
             <a:endParaRPr kumimoji="0" lang="en-US" sz="1200" b="0" i="0" u="none" strike="noStrike" kern="1200" cap="none" spc="0" normalizeH="0" baseline="0" noProof="0" dirty="0">
               <a:ln>
@@ -2270,7 +2266,7 @@
           <a:p>
             <a:fld id="{38EEC551-8CDA-4EB6-89BB-2A86C9F091C8}" type="datetime8">
               <a:rPr lang="en-US" smtClean="0"/>
-              <a:t>10/4/2017 8:51 PM</a:t>
+              <a:t>7/10/18 8:45 AM</a:t>
             </a:fld>
             <a:endParaRPr lang="en-US" dirty="0"/>
           </a:p>
@@ -2451,7 +2447,7 @@
           <a:p>
             <a:fld id="{38EEC551-8CDA-4EB6-89BB-2A86C9F091C8}" type="datetime8">
               <a:rPr lang="en-US" smtClean="0"/>
-              <a:t>10/4/2017 8:51 PM</a:t>
+              <a:t>7/10/18 8:45 AM</a:t>
             </a:fld>
             <a:endParaRPr lang="en-US" dirty="0"/>
           </a:p>
@@ -2632,7 +2628,7 @@
           <a:p>
             <a:fld id="{38EEC551-8CDA-4EB6-89BB-2A86C9F091C8}" type="datetime8">
               <a:rPr lang="en-US" smtClean="0"/>
-              <a:t>10/4/2017 8:51 PM</a:t>
+              <a:t>7/10/18 8:45 AM</a:t>
             </a:fld>
             <a:endParaRPr lang="en-US" dirty="0"/>
           </a:p>
@@ -2813,7 +2809,7 @@
           <a:p>
             <a:fld id="{38EEC551-8CDA-4EB6-89BB-2A86C9F091C8}" type="datetime8">
               <a:rPr lang="en-US" smtClean="0"/>
-              <a:t>10/4/2017 8:51 PM</a:t>
+              <a:t>7/10/18 8:45 AM</a:t>
             </a:fld>
             <a:endParaRPr lang="en-US" dirty="0"/>
           </a:p>
@@ -3169,7 +3165,7 @@
           <a:p>
             <a:fld id="{38EEC551-8CDA-4EB6-89BB-2A86C9F091C8}" type="datetime8">
               <a:rPr lang="en-US" smtClean="0"/>
-              <a:t>10/4/2017 8:51 PM</a:t>
+              <a:t>7/10/18 8:45 AM</a:t>
             </a:fld>
             <a:endParaRPr lang="en-US" dirty="0"/>
           </a:p>
@@ -3350,7 +3346,7 @@
           <a:p>
             <a:fld id="{38EEC551-8CDA-4EB6-89BB-2A86C9F091C8}" type="datetime8">
               <a:rPr lang="en-US" smtClean="0"/>
-              <a:t>10/4/2017 8:51 PM</a:t>
+              <a:t>7/10/18 8:45 AM</a:t>
             </a:fld>
             <a:endParaRPr lang="en-US" dirty="0"/>
           </a:p>
@@ -3524,7 +3520,7 @@
                 </a:solidFill>
               </a:rPr>
               <a:pPr/>
-              <a:t>10/4/2017 8:50 PM</a:t>
+              <a:t>7/10/18 8:45 AM</a:t>
             </a:fld>
             <a:endParaRPr lang="en-US" dirty="0">
               <a:solidFill>
@@ -4242,7 +4238,7 @@
           <a:p>
             <a:fld id="{38EEC551-8CDA-4EB6-89BB-2A86C9F091C8}" type="datetime8">
               <a:rPr lang="en-US" smtClean="0"/>
-              <a:t>10/4/2017 8:50 PM</a:t>
+              <a:t>7/10/18 8:45 AM</a:t>
             </a:fld>
             <a:endParaRPr lang="en-US" dirty="0"/>
           </a:p>
@@ -4506,7 +4502,7 @@
                 <a:tabLst/>
                 <a:defRPr/>
               </a:pPr>
-              <a:t>10/4/2017 8:50 PM</a:t>
+              <a:t>7/10/18 8:45 AM</a:t>
             </a:fld>
             <a:endParaRPr kumimoji="0" lang="en-US" sz="1200" b="0" i="0" u="none" strike="noStrike" kern="1200" cap="none" spc="0" normalizeH="0" baseline="0" noProof="0">
               <a:ln>
@@ -4759,7 +4755,7 @@
           <a:p>
             <a:fld id="{38EEC551-8CDA-4EB6-89BB-2A86C9F091C8}" type="datetime8">
               <a:rPr lang="en-US" smtClean="0"/>
-              <a:t>10/4/2017 8:54 PM</a:t>
+              <a:t>7/10/18 8:45 AM</a:t>
             </a:fld>
             <a:endParaRPr lang="en-US" dirty="0"/>
           </a:p>
@@ -4940,7 +4936,7 @@
           <a:p>
             <a:fld id="{38EEC551-8CDA-4EB6-89BB-2A86C9F091C8}" type="datetime8">
               <a:rPr lang="en-US" smtClean="0"/>
-              <a:t>10/4/2017 8:54 PM</a:t>
+              <a:t>7/10/18 8:45 AM</a:t>
             </a:fld>
             <a:endParaRPr lang="en-US" dirty="0"/>
           </a:p>
@@ -5132,7 +5128,7 @@
           <a:p>
             <a:fld id="{AFAAA849-1D6E-40B2-B057-39C83678EF33}" type="datetimeFigureOut">
               <a:rPr lang="en-US" smtClean="0"/>
-              <a:t>10/4/2017</a:t>
+              <a:t>7/10/18</a:t>
             </a:fld>
             <a:endParaRPr lang="en-US"/>
           </a:p>
@@ -5330,7 +5326,7 @@
           <a:p>
             <a:fld id="{AFAAA849-1D6E-40B2-B057-39C83678EF33}" type="datetimeFigureOut">
               <a:rPr lang="en-US" smtClean="0"/>
-              <a:t>10/4/2017</a:t>
+              <a:t>7/10/18</a:t>
             </a:fld>
             <a:endParaRPr lang="en-US"/>
           </a:p>
@@ -5538,7 +5534,7 @@
           <a:p>
             <a:fld id="{AFAAA849-1D6E-40B2-B057-39C83678EF33}" type="datetimeFigureOut">
               <a:rPr lang="en-US" smtClean="0"/>
-              <a:t>10/4/2017</a:t>
+              <a:t>7/10/18</a:t>
             </a:fld>
             <a:endParaRPr lang="en-US"/>
           </a:p>
@@ -6923,7 +6919,7 @@
           <a:p>
             <a:fld id="{AFAAA849-1D6E-40B2-B057-39C83678EF33}" type="datetimeFigureOut">
               <a:rPr lang="en-US" smtClean="0"/>
-              <a:t>10/4/2017</a:t>
+              <a:t>7/10/18</a:t>
             </a:fld>
             <a:endParaRPr lang="en-US"/>
           </a:p>
@@ -7198,7 +7194,7 @@
           <a:p>
             <a:fld id="{AFAAA849-1D6E-40B2-B057-39C83678EF33}" type="datetimeFigureOut">
               <a:rPr lang="en-US" smtClean="0"/>
-              <a:t>10/4/2017</a:t>
+              <a:t>7/10/18</a:t>
             </a:fld>
             <a:endParaRPr lang="en-US"/>
           </a:p>
@@ -7463,7 +7459,7 @@
           <a:p>
             <a:fld id="{AFAAA849-1D6E-40B2-B057-39C83678EF33}" type="datetimeFigureOut">
               <a:rPr lang="en-US" smtClean="0"/>
-              <a:t>10/4/2017</a:t>
+              <a:t>7/10/18</a:t>
             </a:fld>
             <a:endParaRPr lang="en-US"/>
           </a:p>
@@ -7875,7 +7871,7 @@
           <a:p>
             <a:fld id="{AFAAA849-1D6E-40B2-B057-39C83678EF33}" type="datetimeFigureOut">
               <a:rPr lang="en-US" smtClean="0"/>
-              <a:t>10/4/2017</a:t>
+              <a:t>7/10/18</a:t>
             </a:fld>
             <a:endParaRPr lang="en-US"/>
           </a:p>
@@ -8016,7 +8012,7 @@
           <a:p>
             <a:fld id="{AFAAA849-1D6E-40B2-B057-39C83678EF33}" type="datetimeFigureOut">
               <a:rPr lang="en-US" smtClean="0"/>
-              <a:t>10/4/2017</a:t>
+              <a:t>7/10/18</a:t>
             </a:fld>
             <a:endParaRPr lang="en-US"/>
           </a:p>
@@ -8129,7 +8125,7 @@
           <a:p>
             <a:fld id="{AFAAA849-1D6E-40B2-B057-39C83678EF33}" type="datetimeFigureOut">
               <a:rPr lang="en-US" smtClean="0"/>
-              <a:t>10/4/2017</a:t>
+              <a:t>7/10/18</a:t>
             </a:fld>
             <a:endParaRPr lang="en-US"/>
           </a:p>
@@ -8440,7 +8436,7 @@
           <a:p>
             <a:fld id="{AFAAA849-1D6E-40B2-B057-39C83678EF33}" type="datetimeFigureOut">
               <a:rPr lang="en-US" smtClean="0"/>
-              <a:t>10/4/2017</a:t>
+              <a:t>7/10/18</a:t>
             </a:fld>
             <a:endParaRPr lang="en-US"/>
           </a:p>
@@ -8728,7 +8724,7 @@
           <a:p>
             <a:fld id="{AFAAA849-1D6E-40B2-B057-39C83678EF33}" type="datetimeFigureOut">
               <a:rPr lang="en-US" smtClean="0"/>
-              <a:t>10/4/2017</a:t>
+              <a:t>7/10/18</a:t>
             </a:fld>
             <a:endParaRPr lang="en-US"/>
           </a:p>
@@ -8969,7 +8965,7 @@
           <a:p>
             <a:fld id="{AFAAA849-1D6E-40B2-B057-39C83678EF33}" type="datetimeFigureOut">
               <a:rPr lang="en-US" smtClean="0"/>
-              <a:t>10/4/2017</a:t>
+              <a:t>7/10/18</a:t>
             </a:fld>
             <a:endParaRPr lang="en-US"/>
           </a:p>
@@ -10247,7 +10243,7 @@
 </file>
 
 <file path=ppt/slides/slide11.xml><?xml version="1.0" encoding="utf-8"?>
-<p:sld xmlns:a="http://schemas.openxmlformats.org/drawingml/2006/main" xmlns:r="http://schemas.openxmlformats.org/officeDocument/2006/relationships" xmlns:p="http://schemas.openxmlformats.org/presentationml/2006/main">
+<p:sld xmlns:a="http://schemas.openxmlformats.org/drawingml/2006/main" xmlns:r="http://schemas.openxmlformats.org/officeDocument/2006/relationships" xmlns:p="http://schemas.openxmlformats.org/presentationml/2006/main" show="0">
   <p:cSld>
     <p:spTree>
       <p:nvGrpSpPr>
@@ -15755,7 +15751,7 @@
 </file>
 
 <file path=ppt/slides/slide17.xml><?xml version="1.0" encoding="utf-8"?>
-<p:sld xmlns:a="http://schemas.openxmlformats.org/drawingml/2006/main" xmlns:r="http://schemas.openxmlformats.org/officeDocument/2006/relationships" xmlns:p="http://schemas.openxmlformats.org/presentationml/2006/main">
+<p:sld xmlns:a="http://schemas.openxmlformats.org/drawingml/2006/main" xmlns:r="http://schemas.openxmlformats.org/officeDocument/2006/relationships" xmlns:p="http://schemas.openxmlformats.org/presentationml/2006/main" show="0">
   <p:cSld>
     <p:spTree>
       <p:nvGrpSpPr>
@@ -17293,7 +17289,7 @@
 </file>
 
 <file path=ppt/slides/slide18.xml><?xml version="1.0" encoding="utf-8"?>
-<p:sld xmlns:a="http://schemas.openxmlformats.org/drawingml/2006/main" xmlns:r="http://schemas.openxmlformats.org/officeDocument/2006/relationships" xmlns:p="http://schemas.openxmlformats.org/presentationml/2006/main">
+<p:sld xmlns:a="http://schemas.openxmlformats.org/drawingml/2006/main" xmlns:r="http://schemas.openxmlformats.org/officeDocument/2006/relationships" xmlns:p="http://schemas.openxmlformats.org/presentationml/2006/main" show="0">
   <p:cSld>
     <p:spTree>
       <p:nvGrpSpPr>
@@ -20612,7 +20608,7 @@
 </file>
 
 <file path=ppt/slides/slide20.xml><?xml version="1.0" encoding="utf-8"?>
-<p:sld xmlns:a="http://schemas.openxmlformats.org/drawingml/2006/main" xmlns:r="http://schemas.openxmlformats.org/officeDocument/2006/relationships" xmlns:p="http://schemas.openxmlformats.org/presentationml/2006/main">
+<p:sld xmlns:a="http://schemas.openxmlformats.org/drawingml/2006/main" xmlns:r="http://schemas.openxmlformats.org/officeDocument/2006/relationships" xmlns:p="http://schemas.openxmlformats.org/presentationml/2006/main" show="0">
   <p:cSld>
     <p:spTree>
       <p:nvGrpSpPr>
@@ -23842,10 +23838,9 @@
           <a:lstStyle/>
           <a:p>
             <a:r>
-              <a:rPr lang="en-US"/>
+              <a:rPr lang="en-US" dirty="0"/>
               <a:t>Demo</a:t>
             </a:r>
-            <a:endParaRPr lang="en-US" dirty="0"/>
           </a:p>
         </p:txBody>
       </p:sp>
